--- a/plots/flowchart.pptx
+++ b/plots/flowchart.pptx
@@ -4859,7 +4859,7 @@
               </a:pPr>
               <a:r>
                 <a:rPr lang="en-US" altLang="zh-TW" dirty="0"/>
-                <a:t>Standard residuals plot</a:t>
+                <a:t>Residuals Plot</a:t>
               </a:r>
             </a:p>
             <a:p>
@@ -4869,7 +4869,7 @@
               </a:pPr>
               <a:r>
                 <a:rPr lang="en-US" altLang="zh-TW" dirty="0"/>
-                <a:t>Histogram + KDE</a:t>
+                <a:t>Histogram + Estimated Density</a:t>
               </a:r>
             </a:p>
             <a:p>
@@ -4879,7 +4879,7 @@
               </a:pPr>
               <a:r>
                 <a:rPr lang="en-US" altLang="zh-TW" dirty="0"/>
-                <a:t>Q-Q plot</a:t>
+                <a:t>Q-Q Plot</a:t>
               </a:r>
             </a:p>
             <a:p>
